--- a/System_Block_Diagram.pptx
+++ b/System_Block_Diagram.pptx
@@ -126,7 +126,7 @@
   <pc:docChgLst>
     <pc:chgData name="Philip Wolfe" userId="bbe4321b1cd5c343" providerId="LiveId" clId="{D1B404D1-0DA3-47D9-95DB-43B7A83A3707}"/>
     <pc:docChg chg="undo redo custSel addSld delSld modSld sldOrd">
-      <pc:chgData name="Philip Wolfe" userId="bbe4321b1cd5c343" providerId="LiveId" clId="{D1B404D1-0DA3-47D9-95DB-43B7A83A3707}" dt="2017-11-30T02:53:22.599" v="2346"/>
+      <pc:chgData name="Philip Wolfe" userId="bbe4321b1cd5c343" providerId="LiveId" clId="{D1B404D1-0DA3-47D9-95DB-43B7A83A3707}" dt="2017-11-30T05:14:30.372" v="2352" actId="20577"/>
       <pc:docMkLst>
         <pc:docMk/>
       </pc:docMkLst>
@@ -1069,13 +1069,13 @@
         </pc:picChg>
       </pc:sldChg>
       <pc:sldChg chg="addSp delSp modSp add ord">
-        <pc:chgData name="Philip Wolfe" userId="bbe4321b1cd5c343" providerId="LiveId" clId="{D1B404D1-0DA3-47D9-95DB-43B7A83A3707}" dt="2017-11-30T02:52:41.057" v="2345" actId="20577"/>
+        <pc:chgData name="Philip Wolfe" userId="bbe4321b1cd5c343" providerId="LiveId" clId="{D1B404D1-0DA3-47D9-95DB-43B7A83A3707}" dt="2017-11-30T05:14:30.372" v="2352" actId="20577"/>
         <pc:sldMkLst>
           <pc:docMk/>
           <pc:sldMk cId="375640" sldId="262"/>
         </pc:sldMkLst>
         <pc:spChg chg="mod">
-          <ac:chgData name="Philip Wolfe" userId="bbe4321b1cd5c343" providerId="LiveId" clId="{D1B404D1-0DA3-47D9-95DB-43B7A83A3707}" dt="2017-11-18T22:25:50.719" v="1453" actId="1076"/>
+          <ac:chgData name="Philip Wolfe" userId="bbe4321b1cd5c343" providerId="LiveId" clId="{D1B404D1-0DA3-47D9-95DB-43B7A83A3707}" dt="2017-11-30T05:14:30.372" v="2352" actId="20577"/>
           <ac:spMkLst>
             <pc:docMk/>
             <pc:sldMk cId="375640" sldId="262"/>
@@ -8129,13 +8129,17 @@
         </p:spPr>
         <p:txBody>
           <a:bodyPr>
-            <a:normAutofit fontScale="90000"/>
+            <a:normAutofit/>
           </a:bodyPr>
           <a:lstStyle/>
           <a:p>
             <a:r>
+              <a:rPr lang="en-US" dirty="0" err="1"/>
+              <a:t>CheckPattern</a:t>
+            </a:r>
+            <a:r>
               <a:rPr lang="en-US" dirty="0"/>
-              <a:t>check_pattern overall arch</a:t>
+              <a:t> overall arch</a:t>
             </a:r>
           </a:p>
         </p:txBody>

--- a/System_Block_Diagram.pptx
+++ b/System_Block_Diagram.pptx
@@ -124,6 +124,38 @@
 <file path=ppt/changesInfos/changesInfo1.xml><?xml version="1.0" encoding="utf-8"?>
 <pc:chgInfo xmlns:a="http://schemas.openxmlformats.org/drawingml/2006/main" xmlns:r="http://schemas.openxmlformats.org/officeDocument/2006/relationships" xmlns:ac="http://schemas.microsoft.com/office/drawing/2013/main/command" xmlns:pc="http://schemas.microsoft.com/office/powerpoint/2013/main/command">
   <pc:docChgLst>
+    <pc:chgData name="Philip Wolfe" userId="bbe4321b1cd5c343" providerId="LiveId" clId="{C134B359-FD9C-4C30-8770-D9B63F87359C}"/>
+    <pc:docChg chg="modSld">
+      <pc:chgData name="Philip Wolfe" userId="bbe4321b1cd5c343" providerId="LiveId" clId="{C134B359-FD9C-4C30-8770-D9B63F87359C}" dt="2017-11-30T17:51:59.260" v="6" actId="1076"/>
+      <pc:docMkLst>
+        <pc:docMk/>
+      </pc:docMkLst>
+      <pc:sldChg chg="addSp modSp">
+        <pc:chgData name="Philip Wolfe" userId="bbe4321b1cd5c343" providerId="LiveId" clId="{C134B359-FD9C-4C30-8770-D9B63F87359C}" dt="2017-11-30T17:51:59.260" v="6" actId="1076"/>
+        <pc:sldMkLst>
+          <pc:docMk/>
+          <pc:sldMk cId="995264939" sldId="260"/>
+        </pc:sldMkLst>
+        <pc:picChg chg="add mod">
+          <ac:chgData name="Philip Wolfe" userId="bbe4321b1cd5c343" providerId="LiveId" clId="{C134B359-FD9C-4C30-8770-D9B63F87359C}" dt="2017-11-30T17:51:59.260" v="6" actId="1076"/>
+          <ac:picMkLst>
+            <pc:docMk/>
+            <pc:sldMk cId="995264939" sldId="260"/>
+            <ac:picMk id="18" creationId="{C9B16C80-BF02-456B-8203-48E5F3ECC363}"/>
+          </ac:picMkLst>
+        </pc:picChg>
+        <pc:cxnChg chg="add mod">
+          <ac:chgData name="Philip Wolfe" userId="bbe4321b1cd5c343" providerId="LiveId" clId="{C134B359-FD9C-4C30-8770-D9B63F87359C}" dt="2017-11-30T17:51:59.260" v="6" actId="1076"/>
+          <ac:cxnSpMkLst>
+            <pc:docMk/>
+            <pc:sldMk cId="995264939" sldId="260"/>
+            <ac:cxnSpMk id="19" creationId="{56299C00-CF1A-41AC-AD60-C084D9D335F5}"/>
+          </ac:cxnSpMkLst>
+        </pc:cxnChg>
+      </pc:sldChg>
+    </pc:docChg>
+  </pc:docChgLst>
+  <pc:docChgLst>
     <pc:chgData name="Philip Wolfe" userId="bbe4321b1cd5c343" providerId="LiveId" clId="{D1B404D1-0DA3-47D9-95DB-43B7A83A3707}"/>
     <pc:docChg chg="undo redo custSel addSld delSld modSld sldOrd">
       <pc:chgData name="Philip Wolfe" userId="bbe4321b1cd5c343" providerId="LiveId" clId="{D1B404D1-0DA3-47D9-95DB-43B7A83A3707}" dt="2017-11-30T05:14:30.372" v="2352" actId="20577"/>
@@ -131,7 +163,7 @@
         <pc:docMk/>
       </pc:docMkLst>
       <pc:sldChg chg="addSp modSp ord">
-        <pc:chgData name="Philip Wolfe" userId="bbe4321b1cd5c343" providerId="LiveId" clId="{D1B404D1-0DA3-47D9-95DB-43B7A83A3707}" dt="2017-11-30T02:53:22.599" v="2346"/>
+        <pc:chgData name="Philip Wolfe" userId="bbe4321b1cd5c343" providerId="LiveId" clId="{D1B404D1-0DA3-47D9-95DB-43B7A83A3707}" dt="2017-11-30T02:53:22.599" v="2346" actId="20577"/>
         <pc:sldMkLst>
           <pc:docMk/>
           <pc:sldMk cId="345991754" sldId="256"/>
@@ -202,7 +234,7 @@
         </pc:cxnChg>
       </pc:sldChg>
       <pc:sldChg chg="addSp delSp modSp add ord">
-        <pc:chgData name="Philip Wolfe" userId="bbe4321b1cd5c343" providerId="LiveId" clId="{D1B404D1-0DA3-47D9-95DB-43B7A83A3707}" dt="2017-11-30T02:43:34.993" v="2278"/>
+        <pc:chgData name="Philip Wolfe" userId="bbe4321b1cd5c343" providerId="LiveId" clId="{D1B404D1-0DA3-47D9-95DB-43B7A83A3707}" dt="2017-11-30T02:43:34.993" v="2278" actId="20577"/>
         <pc:sldMkLst>
           <pc:docMk/>
           <pc:sldMk cId="4024013066" sldId="257"/>
@@ -607,7 +639,7 @@
         </pc:sldMkLst>
       </pc:sldChg>
       <pc:sldChg chg="addSp delSp modSp add ord">
-        <pc:chgData name="Philip Wolfe" userId="bbe4321b1cd5c343" providerId="LiveId" clId="{D1B404D1-0DA3-47D9-95DB-43B7A83A3707}" dt="2017-11-30T02:43:32.827" v="2277"/>
+        <pc:chgData name="Philip Wolfe" userId="bbe4321b1cd5c343" providerId="LiveId" clId="{D1B404D1-0DA3-47D9-95DB-43B7A83A3707}" dt="2017-11-30T02:43:32.827" v="2277" actId="20577"/>
         <pc:sldMkLst>
           <pc:docMk/>
           <pc:sldMk cId="995264939" sldId="260"/>
@@ -1038,7 +1070,7 @@
         </pc:cxnChg>
       </pc:sldChg>
       <pc:sldChg chg="addSp delSp modSp add ord">
-        <pc:chgData name="Philip Wolfe" userId="bbe4321b1cd5c343" providerId="LiveId" clId="{D1B404D1-0DA3-47D9-95DB-43B7A83A3707}" dt="2017-11-30T02:43:57.576" v="2282"/>
+        <pc:chgData name="Philip Wolfe" userId="bbe4321b1cd5c343" providerId="LiveId" clId="{D1B404D1-0DA3-47D9-95DB-43B7A83A3707}" dt="2017-11-30T02:43:57.576" v="2282" actId="20577"/>
         <pc:sldMkLst>
           <pc:docMk/>
           <pc:sldMk cId="2629461372" sldId="261"/>
@@ -1449,6 +1481,14 @@
             <ac:spMk id="40" creationId="{FCDC1458-3347-438E-8FD3-7F04FF93FC02}"/>
           </ac:spMkLst>
         </pc:spChg>
+        <pc:spChg chg="add del mod">
+          <ac:chgData name="Philip Wolfe" userId="bbe4321b1cd5c343" providerId="LiveId" clId="{D1B404D1-0DA3-47D9-95DB-43B7A83A3707}" dt="2017-11-18T23:07:50.359" v="1771" actId="478"/>
+          <ac:spMkLst>
+            <pc:docMk/>
+            <pc:sldMk cId="232642243" sldId="263"/>
+            <ac:spMk id="43" creationId="{13D5C1BD-74BA-4A25-AC72-9A52B3F0CE5B}"/>
+          </ac:spMkLst>
+        </pc:spChg>
         <pc:spChg chg="add mod">
           <ac:chgData name="Philip Wolfe" userId="bbe4321b1cd5c343" providerId="LiveId" clId="{D1B404D1-0DA3-47D9-95DB-43B7A83A3707}" dt="2017-11-19T05:30:57.872" v="2133" actId="1076"/>
           <ac:spMkLst>
@@ -1458,11 +1498,11 @@
           </ac:spMkLst>
         </pc:spChg>
         <pc:spChg chg="add del mod">
-          <ac:chgData name="Philip Wolfe" userId="bbe4321b1cd5c343" providerId="LiveId" clId="{D1B404D1-0DA3-47D9-95DB-43B7A83A3707}" dt="2017-11-18T23:07:50.359" v="1771" actId="478"/>
+          <ac:chgData name="Philip Wolfe" userId="bbe4321b1cd5c343" providerId="LiveId" clId="{D1B404D1-0DA3-47D9-95DB-43B7A83A3707}" dt="2017-11-19T04:13:11.824" v="1997" actId="478"/>
           <ac:spMkLst>
             <pc:docMk/>
             <pc:sldMk cId="232642243" sldId="263"/>
-            <ac:spMk id="43" creationId="{13D5C1BD-74BA-4A25-AC72-9A52B3F0CE5B}"/>
+            <ac:spMk id="44" creationId="{72E85FC2-666D-4139-859F-DF93B2E34B98}"/>
           </ac:spMkLst>
         </pc:spChg>
         <pc:spChg chg="add mod">
@@ -1471,14 +1511,6 @@
             <pc:docMk/>
             <pc:sldMk cId="232642243" sldId="263"/>
             <ac:spMk id="44" creationId="{88A7382E-5A2D-423F-8FA5-5132E9E9ECEF}"/>
-          </ac:spMkLst>
-        </pc:spChg>
-        <pc:spChg chg="add del mod">
-          <ac:chgData name="Philip Wolfe" userId="bbe4321b1cd5c343" providerId="LiveId" clId="{D1B404D1-0DA3-47D9-95DB-43B7A83A3707}" dt="2017-11-19T04:13:11.824" v="1997" actId="478"/>
-          <ac:spMkLst>
-            <pc:docMk/>
-            <pc:sldMk cId="232642243" sldId="263"/>
-            <ac:spMk id="44" creationId="{72E85FC2-666D-4139-859F-DF93B2E34B98}"/>
           </ac:spMkLst>
         </pc:spChg>
         <pc:spChg chg="add mod">
@@ -1818,14 +1850,14 @@
         </pc:spChg>
       </pc:sldChg>
       <pc:sldChg chg="ord">
-        <pc:chgData name="Philip Wolfe" userId="bbe4321b1cd5c343" providerId="LiveId" clId="{D1B404D1-0DA3-47D9-95DB-43B7A83A3707}" dt="2017-11-30T02:44:03.837" v="2284"/>
+        <pc:chgData name="Philip Wolfe" userId="bbe4321b1cd5c343" providerId="LiveId" clId="{D1B404D1-0DA3-47D9-95DB-43B7A83A3707}" dt="2017-11-30T02:44:03.837" v="2284" actId="20577"/>
         <pc:sldMkLst>
           <pc:docMk/>
           <pc:sldMk cId="3284011849" sldId="265"/>
         </pc:sldMkLst>
       </pc:sldChg>
       <pc:sldChg chg="addSp delSp modSp add ord">
-        <pc:chgData name="Philip Wolfe" userId="bbe4321b1cd5c343" providerId="LiveId" clId="{D1B404D1-0DA3-47D9-95DB-43B7A83A3707}" dt="2017-11-30T02:43:51.220" v="2280"/>
+        <pc:chgData name="Philip Wolfe" userId="bbe4321b1cd5c343" providerId="LiveId" clId="{D1B404D1-0DA3-47D9-95DB-43B7A83A3707}" dt="2017-11-30T02:43:51.220" v="2280" actId="20577"/>
         <pc:sldMkLst>
           <pc:docMk/>
           <pc:sldMk cId="2209197814" sldId="266"/>
@@ -2103,7 +2135,7 @@
           <a:p>
             <a:fld id="{0F369BCF-09F4-4BB3-940B-AF7856A6802D}" type="datetimeFigureOut">
               <a:rPr lang="en-US" smtClean="0"/>
-              <a:t>11/29/2017</a:t>
+              <a:t>11/30/2017</a:t>
             </a:fld>
             <a:endParaRPr lang="en-US" dirty="0"/>
           </a:p>
@@ -2301,7 +2333,7 @@
           <a:p>
             <a:fld id="{0F369BCF-09F4-4BB3-940B-AF7856A6802D}" type="datetimeFigureOut">
               <a:rPr lang="en-US" smtClean="0"/>
-              <a:t>11/29/2017</a:t>
+              <a:t>11/30/2017</a:t>
             </a:fld>
             <a:endParaRPr lang="en-US" dirty="0"/>
           </a:p>
@@ -2509,7 +2541,7 @@
           <a:p>
             <a:fld id="{0F369BCF-09F4-4BB3-940B-AF7856A6802D}" type="datetimeFigureOut">
               <a:rPr lang="en-US" smtClean="0"/>
-              <a:t>11/29/2017</a:t>
+              <a:t>11/30/2017</a:t>
             </a:fld>
             <a:endParaRPr lang="en-US" dirty="0"/>
           </a:p>
@@ -2707,7 +2739,7 @@
           <a:p>
             <a:fld id="{0F369BCF-09F4-4BB3-940B-AF7856A6802D}" type="datetimeFigureOut">
               <a:rPr lang="en-US" smtClean="0"/>
-              <a:t>11/29/2017</a:t>
+              <a:t>11/30/2017</a:t>
             </a:fld>
             <a:endParaRPr lang="en-US" dirty="0"/>
           </a:p>
@@ -2982,7 +3014,7 @@
           <a:p>
             <a:fld id="{0F369BCF-09F4-4BB3-940B-AF7856A6802D}" type="datetimeFigureOut">
               <a:rPr lang="en-US" smtClean="0"/>
-              <a:t>11/29/2017</a:t>
+              <a:t>11/30/2017</a:t>
             </a:fld>
             <a:endParaRPr lang="en-US" dirty="0"/>
           </a:p>
@@ -3247,7 +3279,7 @@
           <a:p>
             <a:fld id="{0F369BCF-09F4-4BB3-940B-AF7856A6802D}" type="datetimeFigureOut">
               <a:rPr lang="en-US" smtClean="0"/>
-              <a:t>11/29/2017</a:t>
+              <a:t>11/30/2017</a:t>
             </a:fld>
             <a:endParaRPr lang="en-US" dirty="0"/>
           </a:p>
@@ -3659,7 +3691,7 @@
           <a:p>
             <a:fld id="{0F369BCF-09F4-4BB3-940B-AF7856A6802D}" type="datetimeFigureOut">
               <a:rPr lang="en-US" smtClean="0"/>
-              <a:t>11/29/2017</a:t>
+              <a:t>11/30/2017</a:t>
             </a:fld>
             <a:endParaRPr lang="en-US" dirty="0"/>
           </a:p>
@@ -3800,7 +3832,7 @@
           <a:p>
             <a:fld id="{0F369BCF-09F4-4BB3-940B-AF7856A6802D}" type="datetimeFigureOut">
               <a:rPr lang="en-US" smtClean="0"/>
-              <a:t>11/29/2017</a:t>
+              <a:t>11/30/2017</a:t>
             </a:fld>
             <a:endParaRPr lang="en-US" dirty="0"/>
           </a:p>
@@ -3913,7 +3945,7 @@
           <a:p>
             <a:fld id="{0F369BCF-09F4-4BB3-940B-AF7856A6802D}" type="datetimeFigureOut">
               <a:rPr lang="en-US" smtClean="0"/>
-              <a:t>11/29/2017</a:t>
+              <a:t>11/30/2017</a:t>
             </a:fld>
             <a:endParaRPr lang="en-US" dirty="0"/>
           </a:p>
@@ -4224,7 +4256,7 @@
           <a:p>
             <a:fld id="{0F369BCF-09F4-4BB3-940B-AF7856A6802D}" type="datetimeFigureOut">
               <a:rPr lang="en-US" smtClean="0"/>
-              <a:t>11/29/2017</a:t>
+              <a:t>11/30/2017</a:t>
             </a:fld>
             <a:endParaRPr lang="en-US" dirty="0"/>
           </a:p>
@@ -4512,7 +4544,7 @@
           <a:p>
             <a:fld id="{0F369BCF-09F4-4BB3-940B-AF7856A6802D}" type="datetimeFigureOut">
               <a:rPr lang="en-US" smtClean="0"/>
-              <a:t>11/29/2017</a:t>
+              <a:t>11/30/2017</a:t>
             </a:fld>
             <a:endParaRPr lang="en-US" dirty="0"/>
           </a:p>
@@ -4753,7 +4785,7 @@
           <a:p>
             <a:fld id="{0F369BCF-09F4-4BB3-940B-AF7856A6802D}" type="datetimeFigureOut">
               <a:rPr lang="en-US" smtClean="0"/>
-              <a:t>11/29/2017</a:t>
+              <a:t>11/30/2017</a:t>
             </a:fld>
             <a:endParaRPr lang="en-US" dirty="0"/>
           </a:p>
@@ -5876,6 +5908,94 @@
           </a:p>
         </p:txBody>
       </p:sp>
+      <p:pic>
+        <p:nvPicPr>
+          <p:cNvPr id="18" name="Picture 6" descr="Image result for led symbol">
+            <a:extLst>
+              <a:ext uri="{FF2B5EF4-FFF2-40B4-BE49-F238E27FC236}">
+                <a16:creationId xmlns:a16="http://schemas.microsoft.com/office/drawing/2014/main" id="{C9B16C80-BF02-456B-8203-48E5F3ECC363}"/>
+              </a:ext>
+            </a:extLst>
+          </p:cNvPr>
+          <p:cNvPicPr>
+            <a:picLocks noChangeAspect="1" noChangeArrowheads="1"/>
+          </p:cNvPicPr>
+          <p:nvPr/>
+        </p:nvPicPr>
+        <p:blipFill rotWithShape="1">
+          <a:blip r:embed="rId4">
+            <a:extLst>
+              <a:ext uri="{28A0092B-C50C-407E-A947-70E740481C1C}">
+                <a14:useLocalDpi xmlns:a14="http://schemas.microsoft.com/office/drawing/2010/main" val="0"/>
+              </a:ext>
+            </a:extLst>
+          </a:blip>
+          <a:srcRect b="6575"/>
+          <a:stretch/>
+        </p:blipFill>
+        <p:spPr bwMode="auto">
+          <a:xfrm>
+            <a:off x="2013965" y="2390518"/>
+            <a:ext cx="1087020" cy="852465"/>
+          </a:xfrm>
+          <a:prstGeom prst="rect">
+            <a:avLst/>
+          </a:prstGeom>
+          <a:noFill/>
+          <a:extLst>
+            <a:ext uri="{909E8E84-426E-40DD-AFC4-6F175D3DCCD1}">
+              <a14:hiddenFill xmlns:a14="http://schemas.microsoft.com/office/drawing/2010/main">
+                <a:solidFill>
+                  <a:srgbClr val="FFFFFF"/>
+                </a:solidFill>
+              </a14:hiddenFill>
+            </a:ext>
+          </a:extLst>
+        </p:spPr>
+      </p:pic>
+      <p:cxnSp>
+        <p:nvCxnSpPr>
+          <p:cNvPr id="19" name="Connector: Curved 18">
+            <a:extLst>
+              <a:ext uri="{FF2B5EF4-FFF2-40B4-BE49-F238E27FC236}">
+                <a16:creationId xmlns:a16="http://schemas.microsoft.com/office/drawing/2014/main" id="{56299C00-CF1A-41AC-AD60-C084D9D335F5}"/>
+              </a:ext>
+            </a:extLst>
+          </p:cNvPr>
+          <p:cNvCxnSpPr>
+            <a:cxnSpLocks/>
+            <a:stCxn id="42" idx="0"/>
+            <a:endCxn id="18" idx="1"/>
+          </p:cNvCxnSpPr>
+          <p:nvPr/>
+        </p:nvCxnSpPr>
+        <p:spPr>
+          <a:xfrm rot="5400000" flipH="1" flipV="1">
+            <a:off x="1586129" y="2981831"/>
+            <a:ext cx="592915" cy="262757"/>
+          </a:xfrm>
+          <a:prstGeom prst="curvedConnector2">
+            <a:avLst/>
+          </a:prstGeom>
+          <a:ln w="38100">
+            <a:tailEnd type="triangle"/>
+          </a:ln>
+        </p:spPr>
+        <p:style>
+          <a:lnRef idx="1">
+            <a:schemeClr val="accent1"/>
+          </a:lnRef>
+          <a:fillRef idx="0">
+            <a:schemeClr val="accent1"/>
+          </a:fillRef>
+          <a:effectRef idx="0">
+            <a:schemeClr val="accent1"/>
+          </a:effectRef>
+          <a:fontRef idx="minor">
+            <a:schemeClr val="tx1"/>
+          </a:fontRef>
+        </p:style>
+      </p:cxnSp>
     </p:spTree>
     <p:extLst>
       <p:ext uri="{BB962C8B-B14F-4D97-AF65-F5344CB8AC3E}">
@@ -8134,12 +8254,8 @@
           <a:lstStyle/>
           <a:p>
             <a:r>
-              <a:rPr lang="en-US" dirty="0" err="1"/>
-              <a:t>CheckPattern</a:t>
-            </a:r>
-            <a:r>
               <a:rPr lang="en-US" dirty="0"/>
-              <a:t> overall arch</a:t>
+              <a:t>CheckPattern overall arch</a:t>
             </a:r>
           </a:p>
         </p:txBody>
